--- a/src/site/discrete2021/slides/Discrete-Ch09P6.pptx
+++ b/src/site/discrete2021/slides/Discrete-Ch09P6.pptx
@@ -244,7 +244,7 @@
           <a:p>
             <a:fld id="{21C6C08E-8AD4-46C5-BAC9-3D04C6463705}" type="datetimeFigureOut">
               <a:rPr lang="lv-LV" smtClean="0"/>
-              <a:t>01.03.2021</a:t>
+              <a:t>18.04.2021</a:t>
             </a:fld>
             <a:endParaRPr lang="lv-LV"/>
           </a:p>
@@ -630,6 +630,98 @@
 </p:notes>
 </file>
 
+<file path=ppt/notesSlides/notesSlide2.xml><?xml version="1.0" encoding="utf-8"?>
+<p:notes xmlns:a="http://schemas.openxmlformats.org/drawingml/2006/main" xmlns:r="http://schemas.openxmlformats.org/officeDocument/2006/relationships" xmlns:p="http://schemas.openxmlformats.org/presentationml/2006/main">
+  <p:cSld>
+    <p:spTree>
+      <p:nvGrpSpPr>
+        <p:cNvPr id="1" name=""/>
+        <p:cNvGrpSpPr/>
+        <p:nvPr/>
+      </p:nvGrpSpPr>
+      <p:grpSpPr>
+        <a:xfrm>
+          <a:off x="0" y="0"/>
+          <a:ext cx="0" cy="0"/>
+          <a:chOff x="0" y="0"/>
+          <a:chExt cx="0" cy="0"/>
+        </a:xfrm>
+      </p:grpSpPr>
+      <p:sp>
+        <p:nvSpPr>
+          <p:cNvPr id="2" name="Slide Image Placeholder 1"/>
+          <p:cNvSpPr>
+            <a:spLocks noGrp="1" noRot="1" noChangeAspect="1"/>
+          </p:cNvSpPr>
+          <p:nvPr>
+            <p:ph type="sldImg"/>
+          </p:nvPr>
+        </p:nvSpPr>
+        <p:spPr/>
+      </p:sp>
+      <p:sp>
+        <p:nvSpPr>
+          <p:cNvPr id="3" name="Notes Placeholder 2"/>
+          <p:cNvSpPr>
+            <a:spLocks noGrp="1"/>
+          </p:cNvSpPr>
+          <p:nvPr>
+            <p:ph type="body" idx="1"/>
+          </p:nvPr>
+        </p:nvSpPr>
+        <p:spPr/>
+        <p:txBody>
+          <a:bodyPr/>
+          <a:lstStyle/>
+          <a:p>
+            <a:r>
+              <a:rPr lang="lv-LV" dirty="0" smtClean="0"/>
+              <a:t>TODO: Move to</a:t>
+            </a:r>
+            <a:r>
+              <a:rPr lang="lv-LV" baseline="0" dirty="0" smtClean="0"/>
+              <a:t> Trees (Tree traversals, etc)</a:t>
+            </a:r>
+            <a:endParaRPr lang="lv-LV" dirty="0"/>
+          </a:p>
+        </p:txBody>
+      </p:sp>
+      <p:sp>
+        <p:nvSpPr>
+          <p:cNvPr id="4" name="Slide Number Placeholder 3"/>
+          <p:cNvSpPr>
+            <a:spLocks noGrp="1"/>
+          </p:cNvSpPr>
+          <p:nvPr>
+            <p:ph type="sldNum" sz="quarter" idx="10"/>
+          </p:nvPr>
+        </p:nvSpPr>
+        <p:spPr/>
+        <p:txBody>
+          <a:bodyPr/>
+          <a:lstStyle/>
+          <a:p>
+            <a:fld id="{5C566039-0D76-41FD-AC12-640C7F3A8E52}" type="slidenum">
+              <a:rPr lang="lv-LV" smtClean="0"/>
+              <a:t>12</a:t>
+            </a:fld>
+            <a:endParaRPr lang="lv-LV"/>
+          </a:p>
+        </p:txBody>
+      </p:sp>
+    </p:spTree>
+    <p:extLst>
+      <p:ext uri="{BB962C8B-B14F-4D97-AF65-F5344CB8AC3E}">
+        <p14:creationId xmlns:p14="http://schemas.microsoft.com/office/powerpoint/2010/main" val="3060062153"/>
+      </p:ext>
+    </p:extLst>
+  </p:cSld>
+  <p:clrMapOvr>
+    <a:masterClrMapping/>
+  </p:clrMapOvr>
+</p:notes>
+</file>
+
 <file path=ppt/slideLayouts/slideLayout1.xml><?xml version="1.0" encoding="utf-8"?>
 <p:sldLayout xmlns:a="http://schemas.openxmlformats.org/drawingml/2006/main" xmlns:r="http://schemas.openxmlformats.org/officeDocument/2006/relationships" xmlns:p="http://schemas.openxmlformats.org/presentationml/2006/main" type="title" preserve="1">
   <p:cSld name="Title Slide">
@@ -761,7 +853,7 @@
           <a:p>
             <a:fld id="{5ADEB7B1-3A76-4692-AABD-C23989DC5F71}" type="datetimeFigureOut">
               <a:rPr lang="lv-LV" smtClean="0"/>
-              <a:t>01.03.2021</a:t>
+              <a:t>18.04.2021</a:t>
             </a:fld>
             <a:endParaRPr lang="lv-LV"/>
           </a:p>
@@ -931,7 +1023,7 @@
           <a:p>
             <a:fld id="{5ADEB7B1-3A76-4692-AABD-C23989DC5F71}" type="datetimeFigureOut">
               <a:rPr lang="lv-LV" smtClean="0"/>
-              <a:t>01.03.2021</a:t>
+              <a:t>18.04.2021</a:t>
             </a:fld>
             <a:endParaRPr lang="lv-LV"/>
           </a:p>
@@ -1111,7 +1203,7 @@
           <a:p>
             <a:fld id="{5ADEB7B1-3A76-4692-AABD-C23989DC5F71}" type="datetimeFigureOut">
               <a:rPr lang="lv-LV" smtClean="0"/>
-              <a:t>01.03.2021</a:t>
+              <a:t>18.04.2021</a:t>
             </a:fld>
             <a:endParaRPr lang="lv-LV"/>
           </a:p>
@@ -1281,7 +1373,7 @@
           <a:p>
             <a:fld id="{5ADEB7B1-3A76-4692-AABD-C23989DC5F71}" type="datetimeFigureOut">
               <a:rPr lang="lv-LV" smtClean="0"/>
-              <a:t>01.03.2021</a:t>
+              <a:t>18.04.2021</a:t>
             </a:fld>
             <a:endParaRPr lang="lv-LV"/>
           </a:p>
@@ -1527,7 +1619,7 @@
           <a:p>
             <a:fld id="{5ADEB7B1-3A76-4692-AABD-C23989DC5F71}" type="datetimeFigureOut">
               <a:rPr lang="lv-LV" smtClean="0"/>
-              <a:t>01.03.2021</a:t>
+              <a:t>18.04.2021</a:t>
             </a:fld>
             <a:endParaRPr lang="lv-LV"/>
           </a:p>
@@ -1759,7 +1851,7 @@
           <a:p>
             <a:fld id="{5ADEB7B1-3A76-4692-AABD-C23989DC5F71}" type="datetimeFigureOut">
               <a:rPr lang="lv-LV" smtClean="0"/>
-              <a:t>01.03.2021</a:t>
+              <a:t>18.04.2021</a:t>
             </a:fld>
             <a:endParaRPr lang="lv-LV"/>
           </a:p>
@@ -2126,7 +2218,7 @@
           <a:p>
             <a:fld id="{5ADEB7B1-3A76-4692-AABD-C23989DC5F71}" type="datetimeFigureOut">
               <a:rPr lang="lv-LV" smtClean="0"/>
-              <a:t>01.03.2021</a:t>
+              <a:t>18.04.2021</a:t>
             </a:fld>
             <a:endParaRPr lang="lv-LV"/>
           </a:p>
@@ -2244,7 +2336,7 @@
           <a:p>
             <a:fld id="{5ADEB7B1-3A76-4692-AABD-C23989DC5F71}" type="datetimeFigureOut">
               <a:rPr lang="lv-LV" smtClean="0"/>
-              <a:t>01.03.2021</a:t>
+              <a:t>18.04.2021</a:t>
             </a:fld>
             <a:endParaRPr lang="lv-LV"/>
           </a:p>
@@ -2339,7 +2431,7 @@
           <a:p>
             <a:fld id="{5ADEB7B1-3A76-4692-AABD-C23989DC5F71}" type="datetimeFigureOut">
               <a:rPr lang="lv-LV" smtClean="0"/>
-              <a:t>01.03.2021</a:t>
+              <a:t>18.04.2021</a:t>
             </a:fld>
             <a:endParaRPr lang="lv-LV"/>
           </a:p>
@@ -2616,7 +2708,7 @@
           <a:p>
             <a:fld id="{5ADEB7B1-3A76-4692-AABD-C23989DC5F71}" type="datetimeFigureOut">
               <a:rPr lang="lv-LV" smtClean="0"/>
-              <a:t>01.03.2021</a:t>
+              <a:t>18.04.2021</a:t>
             </a:fld>
             <a:endParaRPr lang="lv-LV"/>
           </a:p>
@@ -2869,7 +2961,7 @@
           <a:p>
             <a:fld id="{5ADEB7B1-3A76-4692-AABD-C23989DC5F71}" type="datetimeFigureOut">
               <a:rPr lang="lv-LV" smtClean="0"/>
-              <a:t>01.03.2021</a:t>
+              <a:t>18.04.2021</a:t>
             </a:fld>
             <a:endParaRPr lang="lv-LV"/>
           </a:p>
@@ -3082,7 +3174,7 @@
           <a:p>
             <a:fld id="{5ADEB7B1-3A76-4692-AABD-C23989DC5F71}" type="datetimeFigureOut">
               <a:rPr lang="lv-LV" smtClean="0"/>
-              <a:t>01.03.2021</a:t>
+              <a:t>18.04.2021</a:t>
             </a:fld>
             <a:endParaRPr lang="lv-LV"/>
           </a:p>
@@ -4080,7 +4172,7 @@
           <p:nvPr/>
         </p:nvPicPr>
         <p:blipFill>
-          <a:blip r:embed="rId2"/>
+          <a:blip r:embed="rId3"/>
           <a:stretch>
             <a:fillRect/>
           </a:stretch>
@@ -4875,18 +4967,14 @@
           <a:p>
             <a:r>
               <a:rPr lang="en-US" dirty="0" smtClean="0"/>
-              <a:t>Partial </a:t>
-            </a:r>
-            <a:r>
-              <a:rPr lang="en-US" dirty="0" smtClean="0"/>
-              <a:t>Orders</a:t>
+              <a:t>Partial Orders</a:t>
             </a:r>
             <a:endParaRPr lang="en-US" dirty="0"/>
           </a:p>
         </p:txBody>
       </p:sp>
-      <mc:AlternateContent xmlns:mc="http://schemas.openxmlformats.org/markup-compatibility/2006">
-        <mc:Choice xmlns:a14="http://schemas.microsoft.com/office/drawing/2010/main" Requires="a14">
+      <mc:AlternateContent xmlns:mc="http://schemas.openxmlformats.org/markup-compatibility/2006" xmlns:a14="http://schemas.microsoft.com/office/drawing/2010/main">
+        <mc:Choice Requires="a14">
           <p:sp>
             <p:nvSpPr>
               <p:cNvPr id="3" name="Content Placeholder 2"/>
@@ -5016,7 +5104,6 @@
                   <a:rPr lang="en-US" dirty="0" smtClean="0"/>
                   <a:t>. </a:t>
                 </a:r>
-                <a:endParaRPr lang="en-US" dirty="0" smtClean="0"/>
               </a:p>
               <a:p>
                 <a:pPr>
@@ -5166,7 +5253,7 @@
             </p:txBody>
           </p:sp>
         </mc:Choice>
-        <mc:Fallback>
+        <mc:Fallback xmlns="">
           <p:sp>
             <p:nvSpPr>
               <p:cNvPr id="3" name="Content Placeholder 2"/>
